--- a/ReportIntro.pptx
+++ b/ReportIntro.pptx
@@ -340,7 +340,7 @@
             <a:fld id="{5586B75A-687E-405C-8A0B-8D00578BA2C3}" type="datetimeFigureOut">
               <a:rPr lang="en-US" dirty="0"/>
               <a:pPr/>
-              <a:t>10/17/18</a:t>
+              <a:t>10/22/18</a:t>
             </a:fld>
             <a:endParaRPr lang="en-US" dirty="0"/>
           </a:p>
@@ -507,7 +507,7 @@
             <a:fld id="{5586B75A-687E-405C-8A0B-8D00578BA2C3}" type="datetimeFigureOut">
               <a:rPr lang="en-US" dirty="0"/>
               <a:pPr/>
-              <a:t>10/17/18</a:t>
+              <a:t>10/22/18</a:t>
             </a:fld>
             <a:endParaRPr lang="en-US" dirty="0"/>
           </a:p>
@@ -684,7 +684,7 @@
             <a:fld id="{5586B75A-687E-405C-8A0B-8D00578BA2C3}" type="datetimeFigureOut">
               <a:rPr lang="en-US" dirty="0"/>
               <a:pPr/>
-              <a:t>10/17/18</a:t>
+              <a:t>10/22/18</a:t>
             </a:fld>
             <a:endParaRPr lang="en-US" dirty="0"/>
           </a:p>
@@ -851,7 +851,7 @@
             <a:fld id="{5586B75A-687E-405C-8A0B-8D00578BA2C3}" type="datetimeFigureOut">
               <a:rPr lang="en-US" dirty="0"/>
               <a:pPr/>
-              <a:t>10/17/18</a:t>
+              <a:t>10/22/18</a:t>
             </a:fld>
             <a:endParaRPr lang="en-US" dirty="0"/>
           </a:p>
@@ -1106,7 +1106,7 @@
             <a:fld id="{5586B75A-687E-405C-8A0B-8D00578BA2C3}" type="datetimeFigureOut">
               <a:rPr lang="en-US" dirty="0"/>
               <a:pPr/>
-              <a:t>10/17/18</a:t>
+              <a:t>10/22/18</a:t>
             </a:fld>
             <a:endParaRPr lang="en-US" dirty="0"/>
           </a:p>
@@ -1391,7 +1391,7 @@
             <a:fld id="{5586B75A-687E-405C-8A0B-8D00578BA2C3}" type="datetimeFigureOut">
               <a:rPr lang="en-US" dirty="0"/>
               <a:pPr/>
-              <a:t>10/17/18</a:t>
+              <a:t>10/22/18</a:t>
             </a:fld>
             <a:endParaRPr lang="en-US" dirty="0"/>
           </a:p>
@@ -1830,7 +1830,7 @@
             <a:fld id="{5586B75A-687E-405C-8A0B-8D00578BA2C3}" type="datetimeFigureOut">
               <a:rPr lang="en-US" dirty="0"/>
               <a:pPr/>
-              <a:t>10/17/18</a:t>
+              <a:t>10/22/18</a:t>
             </a:fld>
             <a:endParaRPr lang="en-US" dirty="0"/>
           </a:p>
@@ -1945,7 +1945,7 @@
             <a:fld id="{5586B75A-687E-405C-8A0B-8D00578BA2C3}" type="datetimeFigureOut">
               <a:rPr lang="en-US" dirty="0"/>
               <a:pPr/>
-              <a:t>10/17/18</a:t>
+              <a:t>10/22/18</a:t>
             </a:fld>
             <a:endParaRPr lang="en-US" dirty="0"/>
           </a:p>
@@ -2037,7 +2037,7 @@
             <a:fld id="{5586B75A-687E-405C-8A0B-8D00578BA2C3}" type="datetimeFigureOut">
               <a:rPr lang="en-US" dirty="0"/>
               <a:pPr/>
-              <a:t>10/17/18</a:t>
+              <a:t>10/22/18</a:t>
             </a:fld>
             <a:endParaRPr lang="en-US" dirty="0"/>
           </a:p>
@@ -2322,7 +2322,7 @@
             <a:fld id="{5586B75A-687E-405C-8A0B-8D00578BA2C3}" type="datetimeFigureOut">
               <a:rPr lang="en-US" dirty="0"/>
               <a:pPr/>
-              <a:t>10/17/18</a:t>
+              <a:t>10/22/18</a:t>
             </a:fld>
             <a:endParaRPr lang="en-US" dirty="0"/>
           </a:p>
@@ -2592,7 +2592,7 @@
             <a:fld id="{5586B75A-687E-405C-8A0B-8D00578BA2C3}" type="datetimeFigureOut">
               <a:rPr lang="en-US" dirty="0"/>
               <a:pPr/>
-              <a:t>10/17/18</a:t>
+              <a:t>10/22/18</a:t>
             </a:fld>
             <a:endParaRPr lang="en-US" dirty="0"/>
           </a:p>
@@ -2886,7 +2886,7 @@
             <a:fld id="{5586B75A-687E-405C-8A0B-8D00578BA2C3}" type="datetimeFigureOut">
               <a:rPr lang="en-US" dirty="0"/>
               <a:pPr/>
-              <a:t>10/17/18</a:t>
+              <a:t>10/22/18</a:t>
             </a:fld>
             <a:endParaRPr lang="en-US" dirty="0"/>
           </a:p>
@@ -3390,15 +3390,7 @@
           <a:p>
             <a:r>
               <a:rPr lang="en-US" dirty="0"/>
-              <a:t>Effects of socio-economic factors on social clustering of </a:t>
-            </a:r>
-            <a:r>
-              <a:rPr lang="en-US" dirty="0" err="1"/>
-              <a:t>european</a:t>
-            </a:r>
-            <a:r>
-              <a:rPr lang="en-US" dirty="0"/>
-              <a:t> landmarks</a:t>
+              <a:t>Find the best European landmarks for development opportunities.</a:t>
             </a:r>
           </a:p>
         </p:txBody>
@@ -3428,15 +3420,7 @@
           <a:p>
             <a:r>
               <a:rPr lang="en-US" dirty="0"/>
-              <a:t>Assessing the effect of socio-economic data on the clustering of </a:t>
-            </a:r>
-            <a:r>
-              <a:rPr lang="en-US" dirty="0" err="1"/>
-              <a:t>european</a:t>
-            </a:r>
-            <a:r>
-              <a:rPr lang="en-US" dirty="0"/>
-              <a:t> landmarks as initially determined by social feedback on venues in close proximity.</a:t>
+              <a:t>Identify popular European landmarks, whose popularity remains independent of local socio-economic factors, and use this to recommend development opportunities.</a:t>
             </a:r>
           </a:p>
         </p:txBody>
@@ -3535,15 +3519,15 @@
             </a:pPr>
             <a:r>
               <a:rPr lang="en-US" dirty="0"/>
-              <a:t>Investigate the role socio-economic factors have in the development of areas around </a:t>
+              <a:t>Provide visual feedback as to the effect socio-economic information has on the clustering of popular </a:t>
             </a:r>
             <a:r>
               <a:rPr lang="en-US" dirty="0" err="1"/>
-              <a:t>Eurpoean</a:t>
-            </a:r>
-            <a:r>
-              <a:rPr lang="en-US" dirty="0"/>
-              <a:t> Landmarks, by looking at their effects on landmark clustering.</a:t>
+              <a:t>european</a:t>
+            </a:r>
+            <a:r>
+              <a:rPr lang="en-US" dirty="0"/>
+              <a:t> landmarks, initially clustered just by price and rating.</a:t>
             </a:r>
           </a:p>
           <a:p>
@@ -3561,7 +3545,7 @@
             </a:pPr>
             <a:r>
               <a:rPr lang="en-US" dirty="0"/>
-              <a:t>Quickly assess the degree to which landmark popularity is independent of socio-economic factors. If determined to be independent, then this in turn can be used to </a:t>
+              <a:t>Quickly identify landmarks around which a high price and rating is independent of socio-economic factors. This in turn can be used to </a:t>
             </a:r>
             <a:r>
               <a:rPr lang="en-US" dirty="0" err="1"/>
@@ -3775,7 +3759,7 @@
             </a:pPr>
             <a:r>
               <a:rPr lang="en-US" dirty="0"/>
-              <a:t>Where there is a disparity in landmark price and popularity and city economics, this may also be used as an indicator for Travel companies that better value is available for their customers at a small distance from the landmark. This is information they could both use for booking hotels (for example) and pass on to their customers for selecting restaurants.</a:t>
+              <a:t>Where there is a disparity between landmark price and popularity and city economics, this may also be used as an indicator for Travel companies that better value is available for their customers at a small distance from the landmark. This is information they could both use for booking hotels (for example) and pass on to their customers for selecting restaurants.</a:t>
             </a:r>
           </a:p>
         </p:txBody>
@@ -3904,7 +3888,7 @@
             </a:r>
             <a:r>
               <a:rPr lang="en-US" dirty="0"/>
-              <a:t>Information on the venues (price and popularity) near landmarks can be used to give a strong initial indicators as to the development opportunities around the landmark</a:t>
+              <a:t>Information on the venues (price and rating) near landmarks can be used to give a strong initial indicator as to the development opportunities around the landmark</a:t>
             </a:r>
           </a:p>
           <a:p>
@@ -3914,7 +3898,7 @@
             </a:r>
             <a:r>
               <a:rPr lang="en-US" dirty="0"/>
-              <a:t>What is less clear is the degree to which the resultant clustering is a purely related to the Landmarks in question or is actually a factor of the socio-economics of the area in which it is located.</a:t>
+              <a:t>What is less clear is the degree to which the resultant clustering is a purely related to the Landmarks in question (i.e. this is just an expensive area) or is actually a factor of the socio-economics of the area in which it is located.</a:t>
             </a:r>
           </a:p>
           <a:p>
